--- a/Auto marking question test 1.pptx
+++ b/Auto marking question test 1.pptx
@@ -10,7 +10,7 @@
     <p:sldId id="257" r:id="rId4"/>
   </p:sldIdLst>
   <p:sldSz cx="6858000" cy="9906000" type="A4"/>
-  <p:notesSz cx="6858000" cy="9144000"/>
+  <p:notesSz cx="7086600" cy="9428163"/>
   <p:defaultTextStyle>
     <a:defPPr>
       <a:defRPr lang="en-US"/>
@@ -106,6 +106,11 @@
       </a:defRPr>
     </a:lvl9pPr>
   </p:defaultTextStyle>
+  <p:extLst>
+    <p:ext uri="{EFAFB233-063F-42B5-8137-9DF3F51BA10A}">
+      <p15:sldGuideLst xmlns:p15="http://schemas.microsoft.com/office/powerpoint/2012/main"/>
+    </p:ext>
+  </p:extLst>
 </p:presentation>
 </file>
 
@@ -240,7 +245,7 @@
           <a:p>
             <a:fld id="{CFF189D6-7783-4F54-9F69-F95AD48E24E8}" type="datetimeFigureOut">
               <a:rPr lang="en-GB" smtClean="0"/>
-              <a:t>16/07/2021</a:t>
+              <a:t>17/07/2021</a:t>
             </a:fld>
             <a:endParaRPr lang="en-GB"/>
           </a:p>
@@ -410,7 +415,7 @@
           <a:p>
             <a:fld id="{CFF189D6-7783-4F54-9F69-F95AD48E24E8}" type="datetimeFigureOut">
               <a:rPr lang="en-GB" smtClean="0"/>
-              <a:t>16/07/2021</a:t>
+              <a:t>17/07/2021</a:t>
             </a:fld>
             <a:endParaRPr lang="en-GB"/>
           </a:p>
@@ -590,7 +595,7 @@
           <a:p>
             <a:fld id="{CFF189D6-7783-4F54-9F69-F95AD48E24E8}" type="datetimeFigureOut">
               <a:rPr lang="en-GB" smtClean="0"/>
-              <a:t>16/07/2021</a:t>
+              <a:t>17/07/2021</a:t>
             </a:fld>
             <a:endParaRPr lang="en-GB"/>
           </a:p>
@@ -760,7 +765,7 @@
           <a:p>
             <a:fld id="{CFF189D6-7783-4F54-9F69-F95AD48E24E8}" type="datetimeFigureOut">
               <a:rPr lang="en-GB" smtClean="0"/>
-              <a:t>16/07/2021</a:t>
+              <a:t>17/07/2021</a:t>
             </a:fld>
             <a:endParaRPr lang="en-GB"/>
           </a:p>
@@ -1004,7 +1009,7 @@
           <a:p>
             <a:fld id="{CFF189D6-7783-4F54-9F69-F95AD48E24E8}" type="datetimeFigureOut">
               <a:rPr lang="en-GB" smtClean="0"/>
-              <a:t>16/07/2021</a:t>
+              <a:t>17/07/2021</a:t>
             </a:fld>
             <a:endParaRPr lang="en-GB"/>
           </a:p>
@@ -1236,7 +1241,7 @@
           <a:p>
             <a:fld id="{CFF189D6-7783-4F54-9F69-F95AD48E24E8}" type="datetimeFigureOut">
               <a:rPr lang="en-GB" smtClean="0"/>
-              <a:t>16/07/2021</a:t>
+              <a:t>17/07/2021</a:t>
             </a:fld>
             <a:endParaRPr lang="en-GB"/>
           </a:p>
@@ -1603,7 +1608,7 @@
           <a:p>
             <a:fld id="{CFF189D6-7783-4F54-9F69-F95AD48E24E8}" type="datetimeFigureOut">
               <a:rPr lang="en-GB" smtClean="0"/>
-              <a:t>16/07/2021</a:t>
+              <a:t>17/07/2021</a:t>
             </a:fld>
             <a:endParaRPr lang="en-GB"/>
           </a:p>
@@ -1721,7 +1726,7 @@
           <a:p>
             <a:fld id="{CFF189D6-7783-4F54-9F69-F95AD48E24E8}" type="datetimeFigureOut">
               <a:rPr lang="en-GB" smtClean="0"/>
-              <a:t>16/07/2021</a:t>
+              <a:t>17/07/2021</a:t>
             </a:fld>
             <a:endParaRPr lang="en-GB"/>
           </a:p>
@@ -1816,7 +1821,7 @@
           <a:p>
             <a:fld id="{CFF189D6-7783-4F54-9F69-F95AD48E24E8}" type="datetimeFigureOut">
               <a:rPr lang="en-GB" smtClean="0"/>
-              <a:t>16/07/2021</a:t>
+              <a:t>17/07/2021</a:t>
             </a:fld>
             <a:endParaRPr lang="en-GB"/>
           </a:p>
@@ -2093,7 +2098,7 @@
           <a:p>
             <a:fld id="{CFF189D6-7783-4F54-9F69-F95AD48E24E8}" type="datetimeFigureOut">
               <a:rPr lang="en-GB" smtClean="0"/>
-              <a:t>16/07/2021</a:t>
+              <a:t>17/07/2021</a:t>
             </a:fld>
             <a:endParaRPr lang="en-GB"/>
           </a:p>
@@ -2350,7 +2355,7 @@
           <a:p>
             <a:fld id="{CFF189D6-7783-4F54-9F69-F95AD48E24E8}" type="datetimeFigureOut">
               <a:rPr lang="en-GB" smtClean="0"/>
-              <a:t>16/07/2021</a:t>
+              <a:t>17/07/2021</a:t>
             </a:fld>
             <a:endParaRPr lang="en-GB"/>
           </a:p>
@@ -2563,7 +2568,7 @@
           <a:p>
             <a:fld id="{CFF189D6-7783-4F54-9F69-F95AD48E24E8}" type="datetimeFigureOut">
               <a:rPr lang="en-GB" smtClean="0"/>
-              <a:t>16/07/2021</a:t>
+              <a:t>17/07/2021</a:t>
             </a:fld>
             <a:endParaRPr lang="en-GB"/>
           </a:p>
@@ -5185,6 +5190,13 @@
           <a:prstGeom prst="line">
             <a:avLst/>
           </a:prstGeom>
+          <a:ln>
+            <a:solidFill>
+              <a:schemeClr val="bg2">
+                <a:lumMod val="75000"/>
+              </a:schemeClr>
+            </a:solidFill>
+          </a:ln>
         </p:spPr>
         <p:style>
           <a:lnRef idx="1">
@@ -5225,6 +5237,13 @@
           <a:prstGeom prst="line">
             <a:avLst/>
           </a:prstGeom>
+          <a:ln>
+            <a:solidFill>
+              <a:schemeClr val="bg2">
+                <a:lumMod val="75000"/>
+              </a:schemeClr>
+            </a:solidFill>
+          </a:ln>
         </p:spPr>
         <p:style>
           <a:lnRef idx="1">
@@ -5265,6 +5284,13 @@
           <a:prstGeom prst="line">
             <a:avLst/>
           </a:prstGeom>
+          <a:ln>
+            <a:solidFill>
+              <a:schemeClr val="bg2">
+                <a:lumMod val="75000"/>
+              </a:schemeClr>
+            </a:solidFill>
+          </a:ln>
         </p:spPr>
         <p:style>
           <a:lnRef idx="1">
@@ -6025,6 +6051,13 @@
           <a:prstGeom prst="line">
             <a:avLst/>
           </a:prstGeom>
+          <a:ln>
+            <a:solidFill>
+              <a:schemeClr val="bg2">
+                <a:lumMod val="75000"/>
+              </a:schemeClr>
+            </a:solidFill>
+          </a:ln>
         </p:spPr>
         <p:style>
           <a:lnRef idx="1">
@@ -6065,6 +6098,13 @@
           <a:prstGeom prst="line">
             <a:avLst/>
           </a:prstGeom>
+          <a:ln>
+            <a:solidFill>
+              <a:schemeClr val="bg2">
+                <a:lumMod val="75000"/>
+              </a:schemeClr>
+            </a:solidFill>
+          </a:ln>
         </p:spPr>
         <p:style>
           <a:lnRef idx="1">
@@ -6105,6 +6145,13 @@
           <a:prstGeom prst="line">
             <a:avLst/>
           </a:prstGeom>
+          <a:ln>
+            <a:solidFill>
+              <a:schemeClr val="bg2">
+                <a:lumMod val="75000"/>
+              </a:schemeClr>
+            </a:solidFill>
+          </a:ln>
         </p:spPr>
         <p:style>
           <a:lnRef idx="1">
@@ -6711,6 +6758,13 @@
           <a:prstGeom prst="line">
             <a:avLst/>
           </a:prstGeom>
+          <a:ln>
+            <a:solidFill>
+              <a:schemeClr val="bg2">
+                <a:lumMod val="75000"/>
+              </a:schemeClr>
+            </a:solidFill>
+          </a:ln>
         </p:spPr>
         <p:style>
           <a:lnRef idx="1">
@@ -6751,6 +6805,13 @@
           <a:prstGeom prst="line">
             <a:avLst/>
           </a:prstGeom>
+          <a:ln>
+            <a:solidFill>
+              <a:schemeClr val="bg2">
+                <a:lumMod val="75000"/>
+              </a:schemeClr>
+            </a:solidFill>
+          </a:ln>
         </p:spPr>
         <p:style>
           <a:lnRef idx="1">
@@ -6791,6 +6852,13 @@
           <a:prstGeom prst="line">
             <a:avLst/>
           </a:prstGeom>
+          <a:ln>
+            <a:solidFill>
+              <a:schemeClr val="bg2">
+                <a:lumMod val="75000"/>
+              </a:schemeClr>
+            </a:solidFill>
+          </a:ln>
         </p:spPr>
         <p:style>
           <a:lnRef idx="1">
